--- a/ppt 16-9/1434.彼此相爱.pptx
+++ b/ppt 16-9/1434.彼此相爱.pptx
@@ -129,7 +129,7 @@
           <p:cNvPr id="2" name="标题 1">
             <a:extLst>
               <a:ext uri="{FF2B5EF4-FFF2-40B4-BE49-F238E27FC236}">
-                <a16:creationId xmlns:a16="http://schemas.microsoft.com/office/drawing/2014/main" id="{A2A6D995-C220-23D2-4CD2-70424F44C7AD}"/>
+                <a16:creationId xmlns:a16="http://schemas.microsoft.com/office/drawing/2014/main" id="{1DE660B2-B8DA-BEEF-42C0-996E91401FAC}"/>
               </a:ext>
             </a:extLst>
           </p:cNvPr>
@@ -166,7 +166,7 @@
           <p:cNvPr id="3" name="副标题 2">
             <a:extLst>
               <a:ext uri="{FF2B5EF4-FFF2-40B4-BE49-F238E27FC236}">
-                <a16:creationId xmlns:a16="http://schemas.microsoft.com/office/drawing/2014/main" id="{09491A6F-24D0-1D94-2057-775815B1B269}"/>
+                <a16:creationId xmlns:a16="http://schemas.microsoft.com/office/drawing/2014/main" id="{8DA77B3B-78A9-4EA2-A0BA-DA1F96DAD147}"/>
               </a:ext>
             </a:extLst>
           </p:cNvPr>
@@ -236,7 +236,7 @@
           <p:cNvPr id="4" name="日期占位符 3">
             <a:extLst>
               <a:ext uri="{FF2B5EF4-FFF2-40B4-BE49-F238E27FC236}">
-                <a16:creationId xmlns:a16="http://schemas.microsoft.com/office/drawing/2014/main" id="{82DFBF06-B00F-90D1-31F3-3AA11521DC25}"/>
+                <a16:creationId xmlns:a16="http://schemas.microsoft.com/office/drawing/2014/main" id="{98556526-E593-8600-15FF-6609A10116FE}"/>
               </a:ext>
             </a:extLst>
           </p:cNvPr>
@@ -252,7 +252,7 @@
           <a:bodyPr/>
           <a:lstStyle/>
           <a:p>
-            <a:fld id="{82D1D483-0312-48AF-8C29-5BE4FFC470E7}" type="datetimeFigureOut">
+            <a:fld id="{98645226-59BA-4941-8EDB-0052E2C44F60}" type="datetimeFigureOut">
               <a:rPr lang="zh-CN" altLang="en-US" smtClean="0"/>
               <a:t>2024/3/10</a:t>
             </a:fld>
@@ -265,7 +265,7 @@
           <p:cNvPr id="5" name="页脚占位符 4">
             <a:extLst>
               <a:ext uri="{FF2B5EF4-FFF2-40B4-BE49-F238E27FC236}">
-                <a16:creationId xmlns:a16="http://schemas.microsoft.com/office/drawing/2014/main" id="{51E13C52-0524-7BAE-7FD0-635D56938C11}"/>
+                <a16:creationId xmlns:a16="http://schemas.microsoft.com/office/drawing/2014/main" id="{B3B3A883-7EAD-293A-84C9-1BAF313CCBCB}"/>
               </a:ext>
             </a:extLst>
           </p:cNvPr>
@@ -290,7 +290,7 @@
           <p:cNvPr id="6" name="灯片编号占位符 5">
             <a:extLst>
               <a:ext uri="{FF2B5EF4-FFF2-40B4-BE49-F238E27FC236}">
-                <a16:creationId xmlns:a16="http://schemas.microsoft.com/office/drawing/2014/main" id="{80BC3595-63F0-D346-7918-5420DEB31DE3}"/>
+                <a16:creationId xmlns:a16="http://schemas.microsoft.com/office/drawing/2014/main" id="{DFCCDF35-0486-43E8-11FE-A6136146BA42}"/>
               </a:ext>
             </a:extLst>
           </p:cNvPr>
@@ -306,7 +306,7 @@
           <a:bodyPr/>
           <a:lstStyle/>
           <a:p>
-            <a:fld id="{644D267D-1DD4-4EDB-8B17-48B634686561}" type="slidenum">
+            <a:fld id="{BAE67AF5-1631-48DF-A284-171AFF683EDD}" type="slidenum">
               <a:rPr lang="zh-CN" altLang="en-US" smtClean="0"/>
               <a:t>‹#›</a:t>
             </a:fld>
@@ -317,7 +317,7 @@
     </p:spTree>
     <p:extLst>
       <p:ext uri="{BB962C8B-B14F-4D97-AF65-F5344CB8AC3E}">
-        <p14:creationId xmlns:p14="http://schemas.microsoft.com/office/powerpoint/2010/main" val="3159552963"/>
+        <p14:creationId xmlns:p14="http://schemas.microsoft.com/office/powerpoint/2010/main" val="4251762422"/>
       </p:ext>
     </p:extLst>
   </p:cSld>
@@ -349,7 +349,7 @@
           <p:cNvPr id="2" name="标题 1">
             <a:extLst>
               <a:ext uri="{FF2B5EF4-FFF2-40B4-BE49-F238E27FC236}">
-                <a16:creationId xmlns:a16="http://schemas.microsoft.com/office/drawing/2014/main" id="{930C3339-1908-C3D6-9C6E-1D366201DAC9}"/>
+                <a16:creationId xmlns:a16="http://schemas.microsoft.com/office/drawing/2014/main" id="{A44D275F-7D51-0CEC-4C9B-A35F5BACA4AE}"/>
               </a:ext>
             </a:extLst>
           </p:cNvPr>
@@ -377,7 +377,7 @@
           <p:cNvPr id="3" name="竖排文字占位符 2">
             <a:extLst>
               <a:ext uri="{FF2B5EF4-FFF2-40B4-BE49-F238E27FC236}">
-                <a16:creationId xmlns:a16="http://schemas.microsoft.com/office/drawing/2014/main" id="{40BFB4A7-EA7F-3DB2-40BD-B43F0A3F4AE2}"/>
+                <a16:creationId xmlns:a16="http://schemas.microsoft.com/office/drawing/2014/main" id="{2FA2751D-2047-7EE6-5485-3A5588F95024}"/>
               </a:ext>
             </a:extLst>
           </p:cNvPr>
@@ -434,7 +434,7 @@
           <p:cNvPr id="4" name="日期占位符 3">
             <a:extLst>
               <a:ext uri="{FF2B5EF4-FFF2-40B4-BE49-F238E27FC236}">
-                <a16:creationId xmlns:a16="http://schemas.microsoft.com/office/drawing/2014/main" id="{A1FDD267-0902-7A12-FBDC-C48125855285}"/>
+                <a16:creationId xmlns:a16="http://schemas.microsoft.com/office/drawing/2014/main" id="{2F0DD49C-CEB7-9BDC-E210-B986F384985E}"/>
               </a:ext>
             </a:extLst>
           </p:cNvPr>
@@ -450,7 +450,7 @@
           <a:bodyPr/>
           <a:lstStyle/>
           <a:p>
-            <a:fld id="{82D1D483-0312-48AF-8C29-5BE4FFC470E7}" type="datetimeFigureOut">
+            <a:fld id="{98645226-59BA-4941-8EDB-0052E2C44F60}" type="datetimeFigureOut">
               <a:rPr lang="zh-CN" altLang="en-US" smtClean="0"/>
               <a:t>2024/3/10</a:t>
             </a:fld>
@@ -463,7 +463,7 @@
           <p:cNvPr id="5" name="页脚占位符 4">
             <a:extLst>
               <a:ext uri="{FF2B5EF4-FFF2-40B4-BE49-F238E27FC236}">
-                <a16:creationId xmlns:a16="http://schemas.microsoft.com/office/drawing/2014/main" id="{B253CC05-6E63-009E-C092-24C8398829DE}"/>
+                <a16:creationId xmlns:a16="http://schemas.microsoft.com/office/drawing/2014/main" id="{448B02A9-EB41-E07C-7F02-94E4BA0F8101}"/>
               </a:ext>
             </a:extLst>
           </p:cNvPr>
@@ -488,7 +488,7 @@
           <p:cNvPr id="6" name="灯片编号占位符 5">
             <a:extLst>
               <a:ext uri="{FF2B5EF4-FFF2-40B4-BE49-F238E27FC236}">
-                <a16:creationId xmlns:a16="http://schemas.microsoft.com/office/drawing/2014/main" id="{14EE90A9-D1FD-D71B-0E55-1A6F751AF85B}"/>
+                <a16:creationId xmlns:a16="http://schemas.microsoft.com/office/drawing/2014/main" id="{05BD883C-F55A-C4D2-1DD9-07785C218B99}"/>
               </a:ext>
             </a:extLst>
           </p:cNvPr>
@@ -504,7 +504,7 @@
           <a:bodyPr/>
           <a:lstStyle/>
           <a:p>
-            <a:fld id="{644D267D-1DD4-4EDB-8B17-48B634686561}" type="slidenum">
+            <a:fld id="{BAE67AF5-1631-48DF-A284-171AFF683EDD}" type="slidenum">
               <a:rPr lang="zh-CN" altLang="en-US" smtClean="0"/>
               <a:t>‹#›</a:t>
             </a:fld>
@@ -515,7 +515,7 @@
     </p:spTree>
     <p:extLst>
       <p:ext uri="{BB962C8B-B14F-4D97-AF65-F5344CB8AC3E}">
-        <p14:creationId xmlns:p14="http://schemas.microsoft.com/office/powerpoint/2010/main" val="2281005224"/>
+        <p14:creationId xmlns:p14="http://schemas.microsoft.com/office/powerpoint/2010/main" val="2448154174"/>
       </p:ext>
     </p:extLst>
   </p:cSld>
@@ -547,7 +547,7 @@
           <p:cNvPr id="2" name="竖排标题 1">
             <a:extLst>
               <a:ext uri="{FF2B5EF4-FFF2-40B4-BE49-F238E27FC236}">
-                <a16:creationId xmlns:a16="http://schemas.microsoft.com/office/drawing/2014/main" id="{2247568E-56B2-50FE-92AA-4BB4F5CAEB11}"/>
+                <a16:creationId xmlns:a16="http://schemas.microsoft.com/office/drawing/2014/main" id="{C07FBBB2-F2E7-CDAA-DEB2-B681B1515262}"/>
               </a:ext>
             </a:extLst>
           </p:cNvPr>
@@ -580,7 +580,7 @@
           <p:cNvPr id="3" name="竖排文字占位符 2">
             <a:extLst>
               <a:ext uri="{FF2B5EF4-FFF2-40B4-BE49-F238E27FC236}">
-                <a16:creationId xmlns:a16="http://schemas.microsoft.com/office/drawing/2014/main" id="{69C3B699-B415-67DF-8914-44A3FE9F4AFE}"/>
+                <a16:creationId xmlns:a16="http://schemas.microsoft.com/office/drawing/2014/main" id="{25AD1335-6669-B166-E770-42E861A0B716}"/>
               </a:ext>
             </a:extLst>
           </p:cNvPr>
@@ -642,7 +642,7 @@
           <p:cNvPr id="4" name="日期占位符 3">
             <a:extLst>
               <a:ext uri="{FF2B5EF4-FFF2-40B4-BE49-F238E27FC236}">
-                <a16:creationId xmlns:a16="http://schemas.microsoft.com/office/drawing/2014/main" id="{858F04AE-BADF-3D9E-C1A8-19E84CBC9A79}"/>
+                <a16:creationId xmlns:a16="http://schemas.microsoft.com/office/drawing/2014/main" id="{EB87AF26-511D-0C80-A263-FF24EBDEEAD9}"/>
               </a:ext>
             </a:extLst>
           </p:cNvPr>
@@ -658,7 +658,7 @@
           <a:bodyPr/>
           <a:lstStyle/>
           <a:p>
-            <a:fld id="{82D1D483-0312-48AF-8C29-5BE4FFC470E7}" type="datetimeFigureOut">
+            <a:fld id="{98645226-59BA-4941-8EDB-0052E2C44F60}" type="datetimeFigureOut">
               <a:rPr lang="zh-CN" altLang="en-US" smtClean="0"/>
               <a:t>2024/3/10</a:t>
             </a:fld>
@@ -671,7 +671,7 @@
           <p:cNvPr id="5" name="页脚占位符 4">
             <a:extLst>
               <a:ext uri="{FF2B5EF4-FFF2-40B4-BE49-F238E27FC236}">
-                <a16:creationId xmlns:a16="http://schemas.microsoft.com/office/drawing/2014/main" id="{51C3127B-5777-7217-A826-A05BC2AB8E6C}"/>
+                <a16:creationId xmlns:a16="http://schemas.microsoft.com/office/drawing/2014/main" id="{C08A3824-DA5C-7E5F-8B7A-148819B01FEE}"/>
               </a:ext>
             </a:extLst>
           </p:cNvPr>
@@ -696,7 +696,7 @@
           <p:cNvPr id="6" name="灯片编号占位符 5">
             <a:extLst>
               <a:ext uri="{FF2B5EF4-FFF2-40B4-BE49-F238E27FC236}">
-                <a16:creationId xmlns:a16="http://schemas.microsoft.com/office/drawing/2014/main" id="{96F4F7C5-18DD-7AEC-45D3-F789BB8C6233}"/>
+                <a16:creationId xmlns:a16="http://schemas.microsoft.com/office/drawing/2014/main" id="{EAADC5B4-F223-61FA-E735-5AFB79EEA021}"/>
               </a:ext>
             </a:extLst>
           </p:cNvPr>
@@ -712,7 +712,7 @@
           <a:bodyPr/>
           <a:lstStyle/>
           <a:p>
-            <a:fld id="{644D267D-1DD4-4EDB-8B17-48B634686561}" type="slidenum">
+            <a:fld id="{BAE67AF5-1631-48DF-A284-171AFF683EDD}" type="slidenum">
               <a:rPr lang="zh-CN" altLang="en-US" smtClean="0"/>
               <a:t>‹#›</a:t>
             </a:fld>
@@ -723,7 +723,7 @@
     </p:spTree>
     <p:extLst>
       <p:ext uri="{BB962C8B-B14F-4D97-AF65-F5344CB8AC3E}">
-        <p14:creationId xmlns:p14="http://schemas.microsoft.com/office/powerpoint/2010/main" val="3110279666"/>
+        <p14:creationId xmlns:p14="http://schemas.microsoft.com/office/powerpoint/2010/main" val="2281466256"/>
       </p:ext>
     </p:extLst>
   </p:cSld>
@@ -755,7 +755,7 @@
           <p:cNvPr id="2" name="标题 1">
             <a:extLst>
               <a:ext uri="{FF2B5EF4-FFF2-40B4-BE49-F238E27FC236}">
-                <a16:creationId xmlns:a16="http://schemas.microsoft.com/office/drawing/2014/main" id="{03C0509D-8DB0-AB1C-97D6-C652829AA164}"/>
+                <a16:creationId xmlns:a16="http://schemas.microsoft.com/office/drawing/2014/main" id="{B99C8309-0357-0ECB-3A36-08F449C16EC7}"/>
               </a:ext>
             </a:extLst>
           </p:cNvPr>
@@ -783,7 +783,7 @@
           <p:cNvPr id="3" name="内容占位符 2">
             <a:extLst>
               <a:ext uri="{FF2B5EF4-FFF2-40B4-BE49-F238E27FC236}">
-                <a16:creationId xmlns:a16="http://schemas.microsoft.com/office/drawing/2014/main" id="{8319EFE6-E8F8-F683-3496-6749CDF7B705}"/>
+                <a16:creationId xmlns:a16="http://schemas.microsoft.com/office/drawing/2014/main" id="{8034080B-3469-117A-E576-2F3CF81A5AD9}"/>
               </a:ext>
             </a:extLst>
           </p:cNvPr>
@@ -840,7 +840,7 @@
           <p:cNvPr id="4" name="日期占位符 3">
             <a:extLst>
               <a:ext uri="{FF2B5EF4-FFF2-40B4-BE49-F238E27FC236}">
-                <a16:creationId xmlns:a16="http://schemas.microsoft.com/office/drawing/2014/main" id="{B7EE40B1-D18A-79D7-E87E-30C38D1764D4}"/>
+                <a16:creationId xmlns:a16="http://schemas.microsoft.com/office/drawing/2014/main" id="{15CF3EFB-C991-287C-92E4-ADFD810D1D41}"/>
               </a:ext>
             </a:extLst>
           </p:cNvPr>
@@ -856,7 +856,7 @@
           <a:bodyPr/>
           <a:lstStyle/>
           <a:p>
-            <a:fld id="{82D1D483-0312-48AF-8C29-5BE4FFC470E7}" type="datetimeFigureOut">
+            <a:fld id="{98645226-59BA-4941-8EDB-0052E2C44F60}" type="datetimeFigureOut">
               <a:rPr lang="zh-CN" altLang="en-US" smtClean="0"/>
               <a:t>2024/3/10</a:t>
             </a:fld>
@@ -869,7 +869,7 @@
           <p:cNvPr id="5" name="页脚占位符 4">
             <a:extLst>
               <a:ext uri="{FF2B5EF4-FFF2-40B4-BE49-F238E27FC236}">
-                <a16:creationId xmlns:a16="http://schemas.microsoft.com/office/drawing/2014/main" id="{8FA53F8A-F45D-981A-3F83-DF2DABB07917}"/>
+                <a16:creationId xmlns:a16="http://schemas.microsoft.com/office/drawing/2014/main" id="{54162B42-0A52-94EA-1CE3-14BB2AFB0B90}"/>
               </a:ext>
             </a:extLst>
           </p:cNvPr>
@@ -894,7 +894,7 @@
           <p:cNvPr id="6" name="灯片编号占位符 5">
             <a:extLst>
               <a:ext uri="{FF2B5EF4-FFF2-40B4-BE49-F238E27FC236}">
-                <a16:creationId xmlns:a16="http://schemas.microsoft.com/office/drawing/2014/main" id="{E4EB55C6-602D-D372-AC03-F4A7F2CB31AB}"/>
+                <a16:creationId xmlns:a16="http://schemas.microsoft.com/office/drawing/2014/main" id="{2EDC466C-8A41-363C-624E-0E1969204A33}"/>
               </a:ext>
             </a:extLst>
           </p:cNvPr>
@@ -910,7 +910,7 @@
           <a:bodyPr/>
           <a:lstStyle/>
           <a:p>
-            <a:fld id="{644D267D-1DD4-4EDB-8B17-48B634686561}" type="slidenum">
+            <a:fld id="{BAE67AF5-1631-48DF-A284-171AFF683EDD}" type="slidenum">
               <a:rPr lang="zh-CN" altLang="en-US" smtClean="0"/>
               <a:t>‹#›</a:t>
             </a:fld>
@@ -921,7 +921,7 @@
     </p:spTree>
     <p:extLst>
       <p:ext uri="{BB962C8B-B14F-4D97-AF65-F5344CB8AC3E}">
-        <p14:creationId xmlns:p14="http://schemas.microsoft.com/office/powerpoint/2010/main" val="2562396081"/>
+        <p14:creationId xmlns:p14="http://schemas.microsoft.com/office/powerpoint/2010/main" val="3642971733"/>
       </p:ext>
     </p:extLst>
   </p:cSld>
@@ -953,7 +953,7 @@
           <p:cNvPr id="2" name="标题 1">
             <a:extLst>
               <a:ext uri="{FF2B5EF4-FFF2-40B4-BE49-F238E27FC236}">
-                <a16:creationId xmlns:a16="http://schemas.microsoft.com/office/drawing/2014/main" id="{EA85B3C8-07BF-68EF-477F-50142D2DD81E}"/>
+                <a16:creationId xmlns:a16="http://schemas.microsoft.com/office/drawing/2014/main" id="{9FF5488F-E592-987A-587C-6DEC556EF478}"/>
               </a:ext>
             </a:extLst>
           </p:cNvPr>
@@ -990,7 +990,7 @@
           <p:cNvPr id="3" name="文本占位符 2">
             <a:extLst>
               <a:ext uri="{FF2B5EF4-FFF2-40B4-BE49-F238E27FC236}">
-                <a16:creationId xmlns:a16="http://schemas.microsoft.com/office/drawing/2014/main" id="{025CD5F4-7476-7E51-4B1C-32DC69CD429A}"/>
+                <a16:creationId xmlns:a16="http://schemas.microsoft.com/office/drawing/2014/main" id="{DE715E66-4B16-AA3E-5788-EB0845F10C64}"/>
               </a:ext>
             </a:extLst>
           </p:cNvPr>
@@ -1115,7 +1115,7 @@
           <p:cNvPr id="4" name="日期占位符 3">
             <a:extLst>
               <a:ext uri="{FF2B5EF4-FFF2-40B4-BE49-F238E27FC236}">
-                <a16:creationId xmlns:a16="http://schemas.microsoft.com/office/drawing/2014/main" id="{E47E8CF6-7A0C-7858-6C63-FFE7D19467DF}"/>
+                <a16:creationId xmlns:a16="http://schemas.microsoft.com/office/drawing/2014/main" id="{5392D03C-A32C-FF5D-8500-CB293C689E25}"/>
               </a:ext>
             </a:extLst>
           </p:cNvPr>
@@ -1131,7 +1131,7 @@
           <a:bodyPr/>
           <a:lstStyle/>
           <a:p>
-            <a:fld id="{82D1D483-0312-48AF-8C29-5BE4FFC470E7}" type="datetimeFigureOut">
+            <a:fld id="{98645226-59BA-4941-8EDB-0052E2C44F60}" type="datetimeFigureOut">
               <a:rPr lang="zh-CN" altLang="en-US" smtClean="0"/>
               <a:t>2024/3/10</a:t>
             </a:fld>
@@ -1144,7 +1144,7 @@
           <p:cNvPr id="5" name="页脚占位符 4">
             <a:extLst>
               <a:ext uri="{FF2B5EF4-FFF2-40B4-BE49-F238E27FC236}">
-                <a16:creationId xmlns:a16="http://schemas.microsoft.com/office/drawing/2014/main" id="{E54CC8B0-F574-B39A-6B5E-68CCE87AAB2B}"/>
+                <a16:creationId xmlns:a16="http://schemas.microsoft.com/office/drawing/2014/main" id="{ECFC2564-A4EF-178D-054A-87F7C105C856}"/>
               </a:ext>
             </a:extLst>
           </p:cNvPr>
@@ -1169,7 +1169,7 @@
           <p:cNvPr id="6" name="灯片编号占位符 5">
             <a:extLst>
               <a:ext uri="{FF2B5EF4-FFF2-40B4-BE49-F238E27FC236}">
-                <a16:creationId xmlns:a16="http://schemas.microsoft.com/office/drawing/2014/main" id="{BE24F23E-A10C-744B-B43D-04D78CBDB09D}"/>
+                <a16:creationId xmlns:a16="http://schemas.microsoft.com/office/drawing/2014/main" id="{59B1A94B-6B47-8E75-D7CB-2CA857E3BA47}"/>
               </a:ext>
             </a:extLst>
           </p:cNvPr>
@@ -1185,7 +1185,7 @@
           <a:bodyPr/>
           <a:lstStyle/>
           <a:p>
-            <a:fld id="{644D267D-1DD4-4EDB-8B17-48B634686561}" type="slidenum">
+            <a:fld id="{BAE67AF5-1631-48DF-A284-171AFF683EDD}" type="slidenum">
               <a:rPr lang="zh-CN" altLang="en-US" smtClean="0"/>
               <a:t>‹#›</a:t>
             </a:fld>
@@ -1196,7 +1196,7 @@
     </p:spTree>
     <p:extLst>
       <p:ext uri="{BB962C8B-B14F-4D97-AF65-F5344CB8AC3E}">
-        <p14:creationId xmlns:p14="http://schemas.microsoft.com/office/powerpoint/2010/main" val="2072696765"/>
+        <p14:creationId xmlns:p14="http://schemas.microsoft.com/office/powerpoint/2010/main" val="3890932234"/>
       </p:ext>
     </p:extLst>
   </p:cSld>
@@ -1228,7 +1228,7 @@
           <p:cNvPr id="2" name="标题 1">
             <a:extLst>
               <a:ext uri="{FF2B5EF4-FFF2-40B4-BE49-F238E27FC236}">
-                <a16:creationId xmlns:a16="http://schemas.microsoft.com/office/drawing/2014/main" id="{5AB94427-8354-A05B-DC34-AF687E02F303}"/>
+                <a16:creationId xmlns:a16="http://schemas.microsoft.com/office/drawing/2014/main" id="{21A669B6-38F8-8AAC-5BB8-C6180E5FED4D}"/>
               </a:ext>
             </a:extLst>
           </p:cNvPr>
@@ -1256,7 +1256,7 @@
           <p:cNvPr id="3" name="内容占位符 2">
             <a:extLst>
               <a:ext uri="{FF2B5EF4-FFF2-40B4-BE49-F238E27FC236}">
-                <a16:creationId xmlns:a16="http://schemas.microsoft.com/office/drawing/2014/main" id="{02A9054A-8501-CA1E-4F35-D508E8A7A670}"/>
+                <a16:creationId xmlns:a16="http://schemas.microsoft.com/office/drawing/2014/main" id="{E0AD6CEE-69B6-F29C-F9B8-5C44DD4BD135}"/>
               </a:ext>
             </a:extLst>
           </p:cNvPr>
@@ -1318,7 +1318,7 @@
           <p:cNvPr id="4" name="内容占位符 3">
             <a:extLst>
               <a:ext uri="{FF2B5EF4-FFF2-40B4-BE49-F238E27FC236}">
-                <a16:creationId xmlns:a16="http://schemas.microsoft.com/office/drawing/2014/main" id="{F4158618-3682-ECB2-2A08-18F0E064533D}"/>
+                <a16:creationId xmlns:a16="http://schemas.microsoft.com/office/drawing/2014/main" id="{AC62E40C-BA70-C417-21FB-0B8CBE2A7A41}"/>
               </a:ext>
             </a:extLst>
           </p:cNvPr>
@@ -1380,7 +1380,7 @@
           <p:cNvPr id="5" name="日期占位符 4">
             <a:extLst>
               <a:ext uri="{FF2B5EF4-FFF2-40B4-BE49-F238E27FC236}">
-                <a16:creationId xmlns:a16="http://schemas.microsoft.com/office/drawing/2014/main" id="{B9C38C1A-76B4-59B0-5280-1B8662BB1FC6}"/>
+                <a16:creationId xmlns:a16="http://schemas.microsoft.com/office/drawing/2014/main" id="{A01FEAF9-8260-69B5-CE43-111F45AEA04D}"/>
               </a:ext>
             </a:extLst>
           </p:cNvPr>
@@ -1396,7 +1396,7 @@
           <a:bodyPr/>
           <a:lstStyle/>
           <a:p>
-            <a:fld id="{82D1D483-0312-48AF-8C29-5BE4FFC470E7}" type="datetimeFigureOut">
+            <a:fld id="{98645226-59BA-4941-8EDB-0052E2C44F60}" type="datetimeFigureOut">
               <a:rPr lang="zh-CN" altLang="en-US" smtClean="0"/>
               <a:t>2024/3/10</a:t>
             </a:fld>
@@ -1409,7 +1409,7 @@
           <p:cNvPr id="6" name="页脚占位符 5">
             <a:extLst>
               <a:ext uri="{FF2B5EF4-FFF2-40B4-BE49-F238E27FC236}">
-                <a16:creationId xmlns:a16="http://schemas.microsoft.com/office/drawing/2014/main" id="{BC17C282-B57D-DCEF-015F-DC67B74FBB8C}"/>
+                <a16:creationId xmlns:a16="http://schemas.microsoft.com/office/drawing/2014/main" id="{05295D42-5088-A516-26F2-75D95D70B953}"/>
               </a:ext>
             </a:extLst>
           </p:cNvPr>
@@ -1434,7 +1434,7 @@
           <p:cNvPr id="7" name="灯片编号占位符 6">
             <a:extLst>
               <a:ext uri="{FF2B5EF4-FFF2-40B4-BE49-F238E27FC236}">
-                <a16:creationId xmlns:a16="http://schemas.microsoft.com/office/drawing/2014/main" id="{64E55B75-4D6E-BD1D-E4C4-A3DD2BE97C75}"/>
+                <a16:creationId xmlns:a16="http://schemas.microsoft.com/office/drawing/2014/main" id="{F5336BB7-D5BF-9623-7002-26D97DE7CC9D}"/>
               </a:ext>
             </a:extLst>
           </p:cNvPr>
@@ -1450,7 +1450,7 @@
           <a:bodyPr/>
           <a:lstStyle/>
           <a:p>
-            <a:fld id="{644D267D-1DD4-4EDB-8B17-48B634686561}" type="slidenum">
+            <a:fld id="{BAE67AF5-1631-48DF-A284-171AFF683EDD}" type="slidenum">
               <a:rPr lang="zh-CN" altLang="en-US" smtClean="0"/>
               <a:t>‹#›</a:t>
             </a:fld>
@@ -1461,7 +1461,7 @@
     </p:spTree>
     <p:extLst>
       <p:ext uri="{BB962C8B-B14F-4D97-AF65-F5344CB8AC3E}">
-        <p14:creationId xmlns:p14="http://schemas.microsoft.com/office/powerpoint/2010/main" val="3035697133"/>
+        <p14:creationId xmlns:p14="http://schemas.microsoft.com/office/powerpoint/2010/main" val="2418038328"/>
       </p:ext>
     </p:extLst>
   </p:cSld>
@@ -1493,7 +1493,7 @@
           <p:cNvPr id="2" name="标题 1">
             <a:extLst>
               <a:ext uri="{FF2B5EF4-FFF2-40B4-BE49-F238E27FC236}">
-                <a16:creationId xmlns:a16="http://schemas.microsoft.com/office/drawing/2014/main" id="{32F95BE9-3E18-8BFA-26F4-C7F664AF518D}"/>
+                <a16:creationId xmlns:a16="http://schemas.microsoft.com/office/drawing/2014/main" id="{AB277A3B-AC3F-5F85-A27D-C5CF053A4DFA}"/>
               </a:ext>
             </a:extLst>
           </p:cNvPr>
@@ -1526,7 +1526,7 @@
           <p:cNvPr id="3" name="文本占位符 2">
             <a:extLst>
               <a:ext uri="{FF2B5EF4-FFF2-40B4-BE49-F238E27FC236}">
-                <a16:creationId xmlns:a16="http://schemas.microsoft.com/office/drawing/2014/main" id="{083349FB-5BF5-09A8-0543-CF9DD77F1BE5}"/>
+                <a16:creationId xmlns:a16="http://schemas.microsoft.com/office/drawing/2014/main" id="{03CA4FB7-D065-A8F0-1127-01BB3AB723CB}"/>
               </a:ext>
             </a:extLst>
           </p:cNvPr>
@@ -1597,7 +1597,7 @@
           <p:cNvPr id="4" name="内容占位符 3">
             <a:extLst>
               <a:ext uri="{FF2B5EF4-FFF2-40B4-BE49-F238E27FC236}">
-                <a16:creationId xmlns:a16="http://schemas.microsoft.com/office/drawing/2014/main" id="{2A0A1869-88C3-D56A-B1E2-FA943977051D}"/>
+                <a16:creationId xmlns:a16="http://schemas.microsoft.com/office/drawing/2014/main" id="{799DCEAE-9FB3-6134-439C-0393EF043ED0}"/>
               </a:ext>
             </a:extLst>
           </p:cNvPr>
@@ -1659,7 +1659,7 @@
           <p:cNvPr id="5" name="文本占位符 4">
             <a:extLst>
               <a:ext uri="{FF2B5EF4-FFF2-40B4-BE49-F238E27FC236}">
-                <a16:creationId xmlns:a16="http://schemas.microsoft.com/office/drawing/2014/main" id="{BA36F8E6-DA49-7B06-98EA-49F82A4DDC5C}"/>
+                <a16:creationId xmlns:a16="http://schemas.microsoft.com/office/drawing/2014/main" id="{04443548-3AC5-37DE-E5EF-FA4D7A789B86}"/>
               </a:ext>
             </a:extLst>
           </p:cNvPr>
@@ -1730,7 +1730,7 @@
           <p:cNvPr id="6" name="内容占位符 5">
             <a:extLst>
               <a:ext uri="{FF2B5EF4-FFF2-40B4-BE49-F238E27FC236}">
-                <a16:creationId xmlns:a16="http://schemas.microsoft.com/office/drawing/2014/main" id="{61A20D3D-93E4-AB7C-409D-3ADD814D81A7}"/>
+                <a16:creationId xmlns:a16="http://schemas.microsoft.com/office/drawing/2014/main" id="{147A6181-C34B-A5C6-1130-B3731A9F16AD}"/>
               </a:ext>
             </a:extLst>
           </p:cNvPr>
@@ -1792,7 +1792,7 @@
           <p:cNvPr id="7" name="日期占位符 6">
             <a:extLst>
               <a:ext uri="{FF2B5EF4-FFF2-40B4-BE49-F238E27FC236}">
-                <a16:creationId xmlns:a16="http://schemas.microsoft.com/office/drawing/2014/main" id="{E1825D81-666D-599B-775F-2C0FE3E14BAF}"/>
+                <a16:creationId xmlns:a16="http://schemas.microsoft.com/office/drawing/2014/main" id="{8FBEA30D-B335-BEA4-B855-E0FA48D8EBEE}"/>
               </a:ext>
             </a:extLst>
           </p:cNvPr>
@@ -1808,7 +1808,7 @@
           <a:bodyPr/>
           <a:lstStyle/>
           <a:p>
-            <a:fld id="{82D1D483-0312-48AF-8C29-5BE4FFC470E7}" type="datetimeFigureOut">
+            <a:fld id="{98645226-59BA-4941-8EDB-0052E2C44F60}" type="datetimeFigureOut">
               <a:rPr lang="zh-CN" altLang="en-US" smtClean="0"/>
               <a:t>2024/3/10</a:t>
             </a:fld>
@@ -1821,7 +1821,7 @@
           <p:cNvPr id="8" name="页脚占位符 7">
             <a:extLst>
               <a:ext uri="{FF2B5EF4-FFF2-40B4-BE49-F238E27FC236}">
-                <a16:creationId xmlns:a16="http://schemas.microsoft.com/office/drawing/2014/main" id="{DD9A1365-EE47-0736-BA7C-FD4DF61A6383}"/>
+                <a16:creationId xmlns:a16="http://schemas.microsoft.com/office/drawing/2014/main" id="{0C03C299-D20D-6331-CCEC-17D2DBB68AC0}"/>
               </a:ext>
             </a:extLst>
           </p:cNvPr>
@@ -1846,7 +1846,7 @@
           <p:cNvPr id="9" name="灯片编号占位符 8">
             <a:extLst>
               <a:ext uri="{FF2B5EF4-FFF2-40B4-BE49-F238E27FC236}">
-                <a16:creationId xmlns:a16="http://schemas.microsoft.com/office/drawing/2014/main" id="{E83C2228-15E5-ABE8-4681-8B1B236A5C17}"/>
+                <a16:creationId xmlns:a16="http://schemas.microsoft.com/office/drawing/2014/main" id="{3A915941-C402-37DC-146A-CC395172F494}"/>
               </a:ext>
             </a:extLst>
           </p:cNvPr>
@@ -1862,7 +1862,7 @@
           <a:bodyPr/>
           <a:lstStyle/>
           <a:p>
-            <a:fld id="{644D267D-1DD4-4EDB-8B17-48B634686561}" type="slidenum">
+            <a:fld id="{BAE67AF5-1631-48DF-A284-171AFF683EDD}" type="slidenum">
               <a:rPr lang="zh-CN" altLang="en-US" smtClean="0"/>
               <a:t>‹#›</a:t>
             </a:fld>
@@ -1873,7 +1873,7 @@
     </p:spTree>
     <p:extLst>
       <p:ext uri="{BB962C8B-B14F-4D97-AF65-F5344CB8AC3E}">
-        <p14:creationId xmlns:p14="http://schemas.microsoft.com/office/powerpoint/2010/main" val="1243394443"/>
+        <p14:creationId xmlns:p14="http://schemas.microsoft.com/office/powerpoint/2010/main" val="1040299881"/>
       </p:ext>
     </p:extLst>
   </p:cSld>
@@ -1905,7 +1905,7 @@
           <p:cNvPr id="2" name="标题 1">
             <a:extLst>
               <a:ext uri="{FF2B5EF4-FFF2-40B4-BE49-F238E27FC236}">
-                <a16:creationId xmlns:a16="http://schemas.microsoft.com/office/drawing/2014/main" id="{57A7EDB8-4D5C-227D-DB1A-FCDA7918D791}"/>
+                <a16:creationId xmlns:a16="http://schemas.microsoft.com/office/drawing/2014/main" id="{3FF79D94-9CE5-C53A-448A-3E01C08FA0D4}"/>
               </a:ext>
             </a:extLst>
           </p:cNvPr>
@@ -1933,7 +1933,7 @@
           <p:cNvPr id="3" name="日期占位符 2">
             <a:extLst>
               <a:ext uri="{FF2B5EF4-FFF2-40B4-BE49-F238E27FC236}">
-                <a16:creationId xmlns:a16="http://schemas.microsoft.com/office/drawing/2014/main" id="{FFB042F6-E95A-FE0F-DD6F-ED01A5C8BBE4}"/>
+                <a16:creationId xmlns:a16="http://schemas.microsoft.com/office/drawing/2014/main" id="{B1B4EC59-F764-3DE4-30D7-481056ED96F7}"/>
               </a:ext>
             </a:extLst>
           </p:cNvPr>
@@ -1949,7 +1949,7 @@
           <a:bodyPr/>
           <a:lstStyle/>
           <a:p>
-            <a:fld id="{82D1D483-0312-48AF-8C29-5BE4FFC470E7}" type="datetimeFigureOut">
+            <a:fld id="{98645226-59BA-4941-8EDB-0052E2C44F60}" type="datetimeFigureOut">
               <a:rPr lang="zh-CN" altLang="en-US" smtClean="0"/>
               <a:t>2024/3/10</a:t>
             </a:fld>
@@ -1962,7 +1962,7 @@
           <p:cNvPr id="4" name="页脚占位符 3">
             <a:extLst>
               <a:ext uri="{FF2B5EF4-FFF2-40B4-BE49-F238E27FC236}">
-                <a16:creationId xmlns:a16="http://schemas.microsoft.com/office/drawing/2014/main" id="{8FD07F49-D6A3-6C23-9EAF-E77DF2FBF556}"/>
+                <a16:creationId xmlns:a16="http://schemas.microsoft.com/office/drawing/2014/main" id="{2EED751C-0653-BFF0-7A44-E425E7517877}"/>
               </a:ext>
             </a:extLst>
           </p:cNvPr>
@@ -1987,7 +1987,7 @@
           <p:cNvPr id="5" name="灯片编号占位符 4">
             <a:extLst>
               <a:ext uri="{FF2B5EF4-FFF2-40B4-BE49-F238E27FC236}">
-                <a16:creationId xmlns:a16="http://schemas.microsoft.com/office/drawing/2014/main" id="{6E9596C6-9EAC-D8B8-3C9B-DB22F2AF11F0}"/>
+                <a16:creationId xmlns:a16="http://schemas.microsoft.com/office/drawing/2014/main" id="{F0AE1825-A130-9770-9189-B40E41063D09}"/>
               </a:ext>
             </a:extLst>
           </p:cNvPr>
@@ -2003,7 +2003,7 @@
           <a:bodyPr/>
           <a:lstStyle/>
           <a:p>
-            <a:fld id="{644D267D-1DD4-4EDB-8B17-48B634686561}" type="slidenum">
+            <a:fld id="{BAE67AF5-1631-48DF-A284-171AFF683EDD}" type="slidenum">
               <a:rPr lang="zh-CN" altLang="en-US" smtClean="0"/>
               <a:t>‹#›</a:t>
             </a:fld>
@@ -2014,7 +2014,7 @@
     </p:spTree>
     <p:extLst>
       <p:ext uri="{BB962C8B-B14F-4D97-AF65-F5344CB8AC3E}">
-        <p14:creationId xmlns:p14="http://schemas.microsoft.com/office/powerpoint/2010/main" val="1233159717"/>
+        <p14:creationId xmlns:p14="http://schemas.microsoft.com/office/powerpoint/2010/main" val="1236943998"/>
       </p:ext>
     </p:extLst>
   </p:cSld>
@@ -2046,7 +2046,7 @@
           <p:cNvPr id="2" name="日期占位符 1">
             <a:extLst>
               <a:ext uri="{FF2B5EF4-FFF2-40B4-BE49-F238E27FC236}">
-                <a16:creationId xmlns:a16="http://schemas.microsoft.com/office/drawing/2014/main" id="{D80DF824-BAF5-E33A-72EB-19D34C9AE9CA}"/>
+                <a16:creationId xmlns:a16="http://schemas.microsoft.com/office/drawing/2014/main" id="{1972135F-8EE2-38C5-E478-C205553793EF}"/>
               </a:ext>
             </a:extLst>
           </p:cNvPr>
@@ -2062,7 +2062,7 @@
           <a:bodyPr/>
           <a:lstStyle/>
           <a:p>
-            <a:fld id="{82D1D483-0312-48AF-8C29-5BE4FFC470E7}" type="datetimeFigureOut">
+            <a:fld id="{98645226-59BA-4941-8EDB-0052E2C44F60}" type="datetimeFigureOut">
               <a:rPr lang="zh-CN" altLang="en-US" smtClean="0"/>
               <a:t>2024/3/10</a:t>
             </a:fld>
@@ -2075,7 +2075,7 @@
           <p:cNvPr id="3" name="页脚占位符 2">
             <a:extLst>
               <a:ext uri="{FF2B5EF4-FFF2-40B4-BE49-F238E27FC236}">
-                <a16:creationId xmlns:a16="http://schemas.microsoft.com/office/drawing/2014/main" id="{41C81C1B-4BC9-E003-EBA9-D5DFE8E228EE}"/>
+                <a16:creationId xmlns:a16="http://schemas.microsoft.com/office/drawing/2014/main" id="{70EBBC9C-AD7A-6770-D930-1F3BC4482ED1}"/>
               </a:ext>
             </a:extLst>
           </p:cNvPr>
@@ -2100,7 +2100,7 @@
           <p:cNvPr id="4" name="灯片编号占位符 3">
             <a:extLst>
               <a:ext uri="{FF2B5EF4-FFF2-40B4-BE49-F238E27FC236}">
-                <a16:creationId xmlns:a16="http://schemas.microsoft.com/office/drawing/2014/main" id="{B7E1754F-DB86-43C3-2A82-DC3E8072DCDF}"/>
+                <a16:creationId xmlns:a16="http://schemas.microsoft.com/office/drawing/2014/main" id="{6238FCE0-D4AF-0E07-8EBD-AA4468EE0A4B}"/>
               </a:ext>
             </a:extLst>
           </p:cNvPr>
@@ -2116,7 +2116,7 @@
           <a:bodyPr/>
           <a:lstStyle/>
           <a:p>
-            <a:fld id="{644D267D-1DD4-4EDB-8B17-48B634686561}" type="slidenum">
+            <a:fld id="{BAE67AF5-1631-48DF-A284-171AFF683EDD}" type="slidenum">
               <a:rPr lang="zh-CN" altLang="en-US" smtClean="0"/>
               <a:t>‹#›</a:t>
             </a:fld>
@@ -2127,7 +2127,7 @@
     </p:spTree>
     <p:extLst>
       <p:ext uri="{BB962C8B-B14F-4D97-AF65-F5344CB8AC3E}">
-        <p14:creationId xmlns:p14="http://schemas.microsoft.com/office/powerpoint/2010/main" val="2106744813"/>
+        <p14:creationId xmlns:p14="http://schemas.microsoft.com/office/powerpoint/2010/main" val="2383847391"/>
       </p:ext>
     </p:extLst>
   </p:cSld>
@@ -2159,7 +2159,7 @@
           <p:cNvPr id="2" name="标题 1">
             <a:extLst>
               <a:ext uri="{FF2B5EF4-FFF2-40B4-BE49-F238E27FC236}">
-                <a16:creationId xmlns:a16="http://schemas.microsoft.com/office/drawing/2014/main" id="{4C836189-9249-6CA5-0F5D-D25B0AFB5242}"/>
+                <a16:creationId xmlns:a16="http://schemas.microsoft.com/office/drawing/2014/main" id="{0A63D88B-BF70-EEA7-39D5-9EE56552172F}"/>
               </a:ext>
             </a:extLst>
           </p:cNvPr>
@@ -2196,7 +2196,7 @@
           <p:cNvPr id="3" name="内容占位符 2">
             <a:extLst>
               <a:ext uri="{FF2B5EF4-FFF2-40B4-BE49-F238E27FC236}">
-                <a16:creationId xmlns:a16="http://schemas.microsoft.com/office/drawing/2014/main" id="{5D381971-1A17-A2B5-C8C3-6A46B0E8556D}"/>
+                <a16:creationId xmlns:a16="http://schemas.microsoft.com/office/drawing/2014/main" id="{36D7F1E0-F05F-75C6-52AF-A0A4D97D7B75}"/>
               </a:ext>
             </a:extLst>
           </p:cNvPr>
@@ -2286,7 +2286,7 @@
           <p:cNvPr id="4" name="文本占位符 3">
             <a:extLst>
               <a:ext uri="{FF2B5EF4-FFF2-40B4-BE49-F238E27FC236}">
-                <a16:creationId xmlns:a16="http://schemas.microsoft.com/office/drawing/2014/main" id="{7ABDA3B1-3D3E-0529-8A4C-A5AE09B98BF1}"/>
+                <a16:creationId xmlns:a16="http://schemas.microsoft.com/office/drawing/2014/main" id="{F32D6C43-0D87-1015-E619-8BE6934AB3D6}"/>
               </a:ext>
             </a:extLst>
           </p:cNvPr>
@@ -2357,7 +2357,7 @@
           <p:cNvPr id="5" name="日期占位符 4">
             <a:extLst>
               <a:ext uri="{FF2B5EF4-FFF2-40B4-BE49-F238E27FC236}">
-                <a16:creationId xmlns:a16="http://schemas.microsoft.com/office/drawing/2014/main" id="{88ADAC65-087E-8AF9-9E66-3FF2B34D5FAB}"/>
+                <a16:creationId xmlns:a16="http://schemas.microsoft.com/office/drawing/2014/main" id="{C26DEF37-FAF1-EE6E-AEB4-077131776C84}"/>
               </a:ext>
             </a:extLst>
           </p:cNvPr>
@@ -2373,7 +2373,7 @@
           <a:bodyPr/>
           <a:lstStyle/>
           <a:p>
-            <a:fld id="{82D1D483-0312-48AF-8C29-5BE4FFC470E7}" type="datetimeFigureOut">
+            <a:fld id="{98645226-59BA-4941-8EDB-0052E2C44F60}" type="datetimeFigureOut">
               <a:rPr lang="zh-CN" altLang="en-US" smtClean="0"/>
               <a:t>2024/3/10</a:t>
             </a:fld>
@@ -2386,7 +2386,7 @@
           <p:cNvPr id="6" name="页脚占位符 5">
             <a:extLst>
               <a:ext uri="{FF2B5EF4-FFF2-40B4-BE49-F238E27FC236}">
-                <a16:creationId xmlns:a16="http://schemas.microsoft.com/office/drawing/2014/main" id="{2B3D6D4A-D05A-674E-6FDA-154840C362A6}"/>
+                <a16:creationId xmlns:a16="http://schemas.microsoft.com/office/drawing/2014/main" id="{195C85B1-402E-D664-D8FB-8EDB7A0AB8A7}"/>
               </a:ext>
             </a:extLst>
           </p:cNvPr>
@@ -2411,7 +2411,7 @@
           <p:cNvPr id="7" name="灯片编号占位符 6">
             <a:extLst>
               <a:ext uri="{FF2B5EF4-FFF2-40B4-BE49-F238E27FC236}">
-                <a16:creationId xmlns:a16="http://schemas.microsoft.com/office/drawing/2014/main" id="{15318A6F-43D7-3BA3-C767-2C2949CA555B}"/>
+                <a16:creationId xmlns:a16="http://schemas.microsoft.com/office/drawing/2014/main" id="{EAC0B73C-054D-2D5F-74AC-363722F2F113}"/>
               </a:ext>
             </a:extLst>
           </p:cNvPr>
@@ -2427,7 +2427,7 @@
           <a:bodyPr/>
           <a:lstStyle/>
           <a:p>
-            <a:fld id="{644D267D-1DD4-4EDB-8B17-48B634686561}" type="slidenum">
+            <a:fld id="{BAE67AF5-1631-48DF-A284-171AFF683EDD}" type="slidenum">
               <a:rPr lang="zh-CN" altLang="en-US" smtClean="0"/>
               <a:t>‹#›</a:t>
             </a:fld>
@@ -2438,7 +2438,7 @@
     </p:spTree>
     <p:extLst>
       <p:ext uri="{BB962C8B-B14F-4D97-AF65-F5344CB8AC3E}">
-        <p14:creationId xmlns:p14="http://schemas.microsoft.com/office/powerpoint/2010/main" val="4147327468"/>
+        <p14:creationId xmlns:p14="http://schemas.microsoft.com/office/powerpoint/2010/main" val="663445196"/>
       </p:ext>
     </p:extLst>
   </p:cSld>
@@ -2470,7 +2470,7 @@
           <p:cNvPr id="2" name="标题 1">
             <a:extLst>
               <a:ext uri="{FF2B5EF4-FFF2-40B4-BE49-F238E27FC236}">
-                <a16:creationId xmlns:a16="http://schemas.microsoft.com/office/drawing/2014/main" id="{AB2D3F7C-D190-CB14-649E-044DECFA80EB}"/>
+                <a16:creationId xmlns:a16="http://schemas.microsoft.com/office/drawing/2014/main" id="{FAFD4456-986E-22D2-985B-C7FFC05450DE}"/>
               </a:ext>
             </a:extLst>
           </p:cNvPr>
@@ -2507,7 +2507,7 @@
           <p:cNvPr id="3" name="图片占位符 2">
             <a:extLst>
               <a:ext uri="{FF2B5EF4-FFF2-40B4-BE49-F238E27FC236}">
-                <a16:creationId xmlns:a16="http://schemas.microsoft.com/office/drawing/2014/main" id="{DEE6D880-8DC4-45CA-A7F6-D5C46B8CB56D}"/>
+                <a16:creationId xmlns:a16="http://schemas.microsoft.com/office/drawing/2014/main" id="{268261B2-DBF2-BA44-EED0-59F565B39C99}"/>
               </a:ext>
             </a:extLst>
           </p:cNvPr>
@@ -2574,7 +2574,7 @@
           <p:cNvPr id="4" name="文本占位符 3">
             <a:extLst>
               <a:ext uri="{FF2B5EF4-FFF2-40B4-BE49-F238E27FC236}">
-                <a16:creationId xmlns:a16="http://schemas.microsoft.com/office/drawing/2014/main" id="{85DB7117-B339-0992-40F1-3F29A558244B}"/>
+                <a16:creationId xmlns:a16="http://schemas.microsoft.com/office/drawing/2014/main" id="{4EDB608E-036B-02A7-10F0-9DCB6E97EF3B}"/>
               </a:ext>
             </a:extLst>
           </p:cNvPr>
@@ -2645,7 +2645,7 @@
           <p:cNvPr id="5" name="日期占位符 4">
             <a:extLst>
               <a:ext uri="{FF2B5EF4-FFF2-40B4-BE49-F238E27FC236}">
-                <a16:creationId xmlns:a16="http://schemas.microsoft.com/office/drawing/2014/main" id="{AF99D3AD-9FDB-6FB8-01A4-0B4859C73BE4}"/>
+                <a16:creationId xmlns:a16="http://schemas.microsoft.com/office/drawing/2014/main" id="{02402486-AE4E-5866-15C6-A53F5E69A2DF}"/>
               </a:ext>
             </a:extLst>
           </p:cNvPr>
@@ -2661,7 +2661,7 @@
           <a:bodyPr/>
           <a:lstStyle/>
           <a:p>
-            <a:fld id="{82D1D483-0312-48AF-8C29-5BE4FFC470E7}" type="datetimeFigureOut">
+            <a:fld id="{98645226-59BA-4941-8EDB-0052E2C44F60}" type="datetimeFigureOut">
               <a:rPr lang="zh-CN" altLang="en-US" smtClean="0"/>
               <a:t>2024/3/10</a:t>
             </a:fld>
@@ -2674,7 +2674,7 @@
           <p:cNvPr id="6" name="页脚占位符 5">
             <a:extLst>
               <a:ext uri="{FF2B5EF4-FFF2-40B4-BE49-F238E27FC236}">
-                <a16:creationId xmlns:a16="http://schemas.microsoft.com/office/drawing/2014/main" id="{027DACC3-4AA0-3684-4D36-91EF4FBBFB35}"/>
+                <a16:creationId xmlns:a16="http://schemas.microsoft.com/office/drawing/2014/main" id="{97B9C044-37DC-ABFF-88D9-92E0EB5BFFCB}"/>
               </a:ext>
             </a:extLst>
           </p:cNvPr>
@@ -2699,7 +2699,7 @@
           <p:cNvPr id="7" name="灯片编号占位符 6">
             <a:extLst>
               <a:ext uri="{FF2B5EF4-FFF2-40B4-BE49-F238E27FC236}">
-                <a16:creationId xmlns:a16="http://schemas.microsoft.com/office/drawing/2014/main" id="{E2657528-99A0-31F2-E8A4-C25A5430A7C2}"/>
+                <a16:creationId xmlns:a16="http://schemas.microsoft.com/office/drawing/2014/main" id="{B5A78F2F-FBBC-54CA-C082-D50F215655EC}"/>
               </a:ext>
             </a:extLst>
           </p:cNvPr>
@@ -2715,7 +2715,7 @@
           <a:bodyPr/>
           <a:lstStyle/>
           <a:p>
-            <a:fld id="{644D267D-1DD4-4EDB-8B17-48B634686561}" type="slidenum">
+            <a:fld id="{BAE67AF5-1631-48DF-A284-171AFF683EDD}" type="slidenum">
               <a:rPr lang="zh-CN" altLang="en-US" smtClean="0"/>
               <a:t>‹#›</a:t>
             </a:fld>
@@ -2726,7 +2726,7 @@
     </p:spTree>
     <p:extLst>
       <p:ext uri="{BB962C8B-B14F-4D97-AF65-F5344CB8AC3E}">
-        <p14:creationId xmlns:p14="http://schemas.microsoft.com/office/powerpoint/2010/main" val="3594653469"/>
+        <p14:creationId xmlns:p14="http://schemas.microsoft.com/office/powerpoint/2010/main" val="1613921027"/>
       </p:ext>
     </p:extLst>
   </p:cSld>
@@ -2763,7 +2763,7 @@
           <p:cNvPr id="2" name="标题占位符 1">
             <a:extLst>
               <a:ext uri="{FF2B5EF4-FFF2-40B4-BE49-F238E27FC236}">
-                <a16:creationId xmlns:a16="http://schemas.microsoft.com/office/drawing/2014/main" id="{C21FB755-0D55-B152-3A2C-E38BF0187A96}"/>
+                <a16:creationId xmlns:a16="http://schemas.microsoft.com/office/drawing/2014/main" id="{A493C4C7-FF8D-FA75-9D98-C416C7D5AA4C}"/>
               </a:ext>
             </a:extLst>
           </p:cNvPr>
@@ -2801,7 +2801,7 @@
           <p:cNvPr id="3" name="文本占位符 2">
             <a:extLst>
               <a:ext uri="{FF2B5EF4-FFF2-40B4-BE49-F238E27FC236}">
-                <a16:creationId xmlns:a16="http://schemas.microsoft.com/office/drawing/2014/main" id="{FFB17009-D52A-6160-A239-D162CB106245}"/>
+                <a16:creationId xmlns:a16="http://schemas.microsoft.com/office/drawing/2014/main" id="{0DF921D2-CEED-3FB7-F73B-41C6496C0EF5}"/>
               </a:ext>
             </a:extLst>
           </p:cNvPr>
@@ -2868,7 +2868,7 @@
           <p:cNvPr id="4" name="日期占位符 3">
             <a:extLst>
               <a:ext uri="{FF2B5EF4-FFF2-40B4-BE49-F238E27FC236}">
-                <a16:creationId xmlns:a16="http://schemas.microsoft.com/office/drawing/2014/main" id="{FDA74EBB-C18B-EDA2-0691-56E522F41515}"/>
+                <a16:creationId xmlns:a16="http://schemas.microsoft.com/office/drawing/2014/main" id="{B4C923FA-EEE2-A084-7EF6-62A39236535B}"/>
               </a:ext>
             </a:extLst>
           </p:cNvPr>
@@ -2902,7 +2902,7 @@
             </a:lvl1pPr>
           </a:lstStyle>
           <a:p>
-            <a:fld id="{82D1D483-0312-48AF-8C29-5BE4FFC470E7}" type="datetimeFigureOut">
+            <a:fld id="{98645226-59BA-4941-8EDB-0052E2C44F60}" type="datetimeFigureOut">
               <a:rPr lang="zh-CN" altLang="en-US" smtClean="0"/>
               <a:t>2024/3/10</a:t>
             </a:fld>
@@ -2915,7 +2915,7 @@
           <p:cNvPr id="5" name="页脚占位符 4">
             <a:extLst>
               <a:ext uri="{FF2B5EF4-FFF2-40B4-BE49-F238E27FC236}">
-                <a16:creationId xmlns:a16="http://schemas.microsoft.com/office/drawing/2014/main" id="{05E16C01-19BA-CC95-C23E-B07B235C6108}"/>
+                <a16:creationId xmlns:a16="http://schemas.microsoft.com/office/drawing/2014/main" id="{5F06537C-CA01-02C9-E740-10B1419F5C31}"/>
               </a:ext>
             </a:extLst>
           </p:cNvPr>
@@ -2958,7 +2958,7 @@
           <p:cNvPr id="6" name="灯片编号占位符 5">
             <a:extLst>
               <a:ext uri="{FF2B5EF4-FFF2-40B4-BE49-F238E27FC236}">
-                <a16:creationId xmlns:a16="http://schemas.microsoft.com/office/drawing/2014/main" id="{9F283262-24F4-9FC6-69D0-4812082AE81A}"/>
+                <a16:creationId xmlns:a16="http://schemas.microsoft.com/office/drawing/2014/main" id="{B2EE0C2A-3BF7-773F-1AF5-9A448AEAF0A1}"/>
               </a:ext>
             </a:extLst>
           </p:cNvPr>
@@ -2992,7 +2992,7 @@
             </a:lvl1pPr>
           </a:lstStyle>
           <a:p>
-            <a:fld id="{644D267D-1DD4-4EDB-8B17-48B634686561}" type="slidenum">
+            <a:fld id="{BAE67AF5-1631-48DF-A284-171AFF683EDD}" type="slidenum">
               <a:rPr lang="zh-CN" altLang="en-US" smtClean="0"/>
               <a:t>‹#›</a:t>
             </a:fld>
@@ -3003,7 +3003,7 @@
     </p:spTree>
     <p:extLst>
       <p:ext uri="{BB962C8B-B14F-4D97-AF65-F5344CB8AC3E}">
-        <p14:creationId xmlns:p14="http://schemas.microsoft.com/office/powerpoint/2010/main" val="2472560411"/>
+        <p14:creationId xmlns:p14="http://schemas.microsoft.com/office/powerpoint/2010/main" val="3813402781"/>
       </p:ext>
     </p:extLst>
   </p:cSld>
